--- a/Documentação/PROJETO “HOOK&MODAL”.pptx
+++ b/Documentação/PROJETO “HOOK&MODAL”.pptx
@@ -48,7 +48,7 @@
             <a:spLocks noGrp="1"/>
           </p:cNvSpPr>
           <p:nvPr>
-            <p:ph type="ftr" idx="2"/>
+            <p:ph type="ftr" idx="1"/>
           </p:nvPr>
         </p:nvSpPr>
         <p:spPr/>
@@ -68,14 +68,14 @@
             <a:spLocks noGrp="1"/>
           </p:cNvSpPr>
           <p:nvPr>
-            <p:ph type="sldNum" idx="3"/>
+            <p:ph type="sldNum" idx="2"/>
           </p:nvPr>
         </p:nvSpPr>
         <p:spPr/>
         <p:txBody>
           <a:bodyPr/>
           <a:p>
-            <a:fld id="{6B8543ED-984A-48EC-AF73-852DF71AC08F}" type="slidenum">
+            <a:fld id="{DA7BCBA7-81FD-4EFB-84A3-BB8D8DE4E773}" type="slidenum">
               <a:t>&lt;#&gt;</a:t>
             </a:fld>
           </a:p>
@@ -88,7 +88,7 @@
             <a:spLocks noGrp="1"/>
           </p:cNvSpPr>
           <p:nvPr>
-            <p:ph type="dt" idx="1"/>
+            <p:ph type="dt" idx="3"/>
           </p:nvPr>
         </p:nvSpPr>
         <p:spPr/>
@@ -152,11 +152,11 @@
             <a:noAutofit/>
           </a:bodyPr>
           <a:p>
-            <a:endParaRPr b="0" lang="en-US" sz="1800" spc="-1" strike="noStrike">
-              <a:solidFill>
-                <a:srgbClr val="000000"/>
-              </a:solidFill>
-              <a:latin typeface="Calibri"/>
+            <a:pPr algn="ctr">
+              <a:buNone/>
+            </a:pPr>
+            <a:endParaRPr b="0" lang="pt-BR" sz="4400" spc="-1" strike="noStrike">
+              <a:latin typeface="Arial"/>
             </a:endParaRPr>
           </a:p>
         </p:txBody>
@@ -189,11 +189,8 @@
             <a:normAutofit/>
           </a:bodyPr>
           <a:p>
-            <a:endParaRPr b="0" lang="en-US" sz="3200" spc="-1" strike="noStrike">
-              <a:solidFill>
-                <a:srgbClr val="000000"/>
-              </a:solidFill>
-              <a:latin typeface="Calibri"/>
+            <a:endParaRPr b="0" lang="pt-BR" sz="3200" spc="-1" strike="noStrike">
+              <a:latin typeface="Arial"/>
             </a:endParaRPr>
           </a:p>
         </p:txBody>
@@ -226,11 +223,8 @@
             <a:normAutofit/>
           </a:bodyPr>
           <a:p>
-            <a:endParaRPr b="0" lang="en-US" sz="3200" spc="-1" strike="noStrike">
-              <a:solidFill>
-                <a:srgbClr val="000000"/>
-              </a:solidFill>
-              <a:latin typeface="Calibri"/>
+            <a:endParaRPr b="0" lang="pt-BR" sz="3200" spc="-1" strike="noStrike">
+              <a:latin typeface="Arial"/>
             </a:endParaRPr>
           </a:p>
         </p:txBody>
@@ -242,7 +236,7 @@
             <a:spLocks noGrp="1"/>
           </p:cNvSpPr>
           <p:nvPr>
-            <p:ph type="ftr" idx="2"/>
+            <p:ph type="ftr" idx="1"/>
           </p:nvPr>
         </p:nvSpPr>
         <p:spPr/>
@@ -262,14 +256,14 @@
             <a:spLocks noGrp="1"/>
           </p:cNvSpPr>
           <p:nvPr>
-            <p:ph type="sldNum" idx="3"/>
+            <p:ph type="sldNum" idx="2"/>
           </p:nvPr>
         </p:nvSpPr>
         <p:spPr/>
         <p:txBody>
           <a:bodyPr/>
           <a:p>
-            <a:fld id="{83220D32-EF80-4966-935E-B59BD371E01D}" type="slidenum">
+            <a:fld id="{2251AEE9-D68E-4912-97DA-D053DFD5D3FD}" type="slidenum">
               <a:t>&lt;#&gt;</a:t>
             </a:fld>
           </a:p>
@@ -282,7 +276,7 @@
             <a:spLocks noGrp="1"/>
           </p:cNvSpPr>
           <p:nvPr>
-            <p:ph type="dt" idx="1"/>
+            <p:ph type="dt" idx="3"/>
           </p:nvPr>
         </p:nvSpPr>
         <p:spPr/>
@@ -346,11 +340,11 @@
             <a:noAutofit/>
           </a:bodyPr>
           <a:p>
-            <a:endParaRPr b="0" lang="en-US" sz="1800" spc="-1" strike="noStrike">
-              <a:solidFill>
-                <a:srgbClr val="000000"/>
-              </a:solidFill>
-              <a:latin typeface="Calibri"/>
+            <a:pPr algn="ctr">
+              <a:buNone/>
+            </a:pPr>
+            <a:endParaRPr b="0" lang="pt-BR" sz="4400" spc="-1" strike="noStrike">
+              <a:latin typeface="Arial"/>
             </a:endParaRPr>
           </a:p>
         </p:txBody>
@@ -383,11 +377,8 @@
             <a:normAutofit/>
           </a:bodyPr>
           <a:p>
-            <a:endParaRPr b="0" lang="en-US" sz="3200" spc="-1" strike="noStrike">
-              <a:solidFill>
-                <a:srgbClr val="000000"/>
-              </a:solidFill>
-              <a:latin typeface="Calibri"/>
+            <a:endParaRPr b="0" lang="pt-BR" sz="3200" spc="-1" strike="noStrike">
+              <a:latin typeface="Arial"/>
             </a:endParaRPr>
           </a:p>
         </p:txBody>
@@ -420,11 +411,8 @@
             <a:normAutofit/>
           </a:bodyPr>
           <a:p>
-            <a:endParaRPr b="0" lang="en-US" sz="3200" spc="-1" strike="noStrike">
-              <a:solidFill>
-                <a:srgbClr val="000000"/>
-              </a:solidFill>
-              <a:latin typeface="Calibri"/>
+            <a:endParaRPr b="0" lang="pt-BR" sz="3200" spc="-1" strike="noStrike">
+              <a:latin typeface="Arial"/>
             </a:endParaRPr>
           </a:p>
         </p:txBody>
@@ -457,11 +445,8 @@
             <a:normAutofit/>
           </a:bodyPr>
           <a:p>
-            <a:endParaRPr b="0" lang="en-US" sz="3200" spc="-1" strike="noStrike">
-              <a:solidFill>
-                <a:srgbClr val="000000"/>
-              </a:solidFill>
-              <a:latin typeface="Calibri"/>
+            <a:endParaRPr b="0" lang="pt-BR" sz="3200" spc="-1" strike="noStrike">
+              <a:latin typeface="Arial"/>
             </a:endParaRPr>
           </a:p>
         </p:txBody>
@@ -494,11 +479,8 @@
             <a:normAutofit/>
           </a:bodyPr>
           <a:p>
-            <a:endParaRPr b="0" lang="en-US" sz="3200" spc="-1" strike="noStrike">
-              <a:solidFill>
-                <a:srgbClr val="000000"/>
-              </a:solidFill>
-              <a:latin typeface="Calibri"/>
+            <a:endParaRPr b="0" lang="pt-BR" sz="3200" spc="-1" strike="noStrike">
+              <a:latin typeface="Arial"/>
             </a:endParaRPr>
           </a:p>
         </p:txBody>
@@ -510,7 +492,7 @@
             <a:spLocks noGrp="1"/>
           </p:cNvSpPr>
           <p:nvPr>
-            <p:ph type="ftr" idx="2"/>
+            <p:ph type="ftr" idx="1"/>
           </p:nvPr>
         </p:nvSpPr>
         <p:spPr/>
@@ -530,14 +512,14 @@
             <a:spLocks noGrp="1"/>
           </p:cNvSpPr>
           <p:nvPr>
-            <p:ph type="sldNum" idx="3"/>
+            <p:ph type="sldNum" idx="2"/>
           </p:nvPr>
         </p:nvSpPr>
         <p:spPr/>
         <p:txBody>
           <a:bodyPr/>
           <a:p>
-            <a:fld id="{294DB0E5-02B1-471E-A8A2-07D831CBD9FB}" type="slidenum">
+            <a:fld id="{D7A0A95D-E032-4BF2-A94C-3DFC80B3001A}" type="slidenum">
               <a:t>&lt;#&gt;</a:t>
             </a:fld>
           </a:p>
@@ -550,7 +532,7 @@
             <a:spLocks noGrp="1"/>
           </p:cNvSpPr>
           <p:nvPr>
-            <p:ph type="dt" idx="1"/>
+            <p:ph type="dt" idx="3"/>
           </p:nvPr>
         </p:nvSpPr>
         <p:spPr/>
@@ -614,11 +596,11 @@
             <a:noAutofit/>
           </a:bodyPr>
           <a:p>
-            <a:endParaRPr b="0" lang="en-US" sz="1800" spc="-1" strike="noStrike">
-              <a:solidFill>
-                <a:srgbClr val="000000"/>
-              </a:solidFill>
-              <a:latin typeface="Calibri"/>
+            <a:pPr algn="ctr">
+              <a:buNone/>
+            </a:pPr>
+            <a:endParaRPr b="0" lang="pt-BR" sz="4400" spc="-1" strike="noStrike">
+              <a:latin typeface="Arial"/>
             </a:endParaRPr>
           </a:p>
         </p:txBody>
@@ -651,11 +633,8 @@
             <a:normAutofit/>
           </a:bodyPr>
           <a:p>
-            <a:endParaRPr b="0" lang="en-US" sz="3200" spc="-1" strike="noStrike">
-              <a:solidFill>
-                <a:srgbClr val="000000"/>
-              </a:solidFill>
-              <a:latin typeface="Calibri"/>
+            <a:endParaRPr b="0" lang="pt-BR" sz="3200" spc="-1" strike="noStrike">
+              <a:latin typeface="Arial"/>
             </a:endParaRPr>
           </a:p>
         </p:txBody>
@@ -688,11 +667,8 @@
             <a:normAutofit/>
           </a:bodyPr>
           <a:p>
-            <a:endParaRPr b="0" lang="en-US" sz="3200" spc="-1" strike="noStrike">
-              <a:solidFill>
-                <a:srgbClr val="000000"/>
-              </a:solidFill>
-              <a:latin typeface="Calibri"/>
+            <a:endParaRPr b="0" lang="pt-BR" sz="3200" spc="-1" strike="noStrike">
+              <a:latin typeface="Arial"/>
             </a:endParaRPr>
           </a:p>
         </p:txBody>
@@ -725,11 +701,8 @@
             <a:normAutofit/>
           </a:bodyPr>
           <a:p>
-            <a:endParaRPr b="0" lang="en-US" sz="3200" spc="-1" strike="noStrike">
-              <a:solidFill>
-                <a:srgbClr val="000000"/>
-              </a:solidFill>
-              <a:latin typeface="Calibri"/>
+            <a:endParaRPr b="0" lang="pt-BR" sz="3200" spc="-1" strike="noStrike">
+              <a:latin typeface="Arial"/>
             </a:endParaRPr>
           </a:p>
         </p:txBody>
@@ -762,11 +735,8 @@
             <a:normAutofit/>
           </a:bodyPr>
           <a:p>
-            <a:endParaRPr b="0" lang="en-US" sz="3200" spc="-1" strike="noStrike">
-              <a:solidFill>
-                <a:srgbClr val="000000"/>
-              </a:solidFill>
-              <a:latin typeface="Calibri"/>
+            <a:endParaRPr b="0" lang="pt-BR" sz="3200" spc="-1" strike="noStrike">
+              <a:latin typeface="Arial"/>
             </a:endParaRPr>
           </a:p>
         </p:txBody>
@@ -799,11 +769,8 @@
             <a:normAutofit/>
           </a:bodyPr>
           <a:p>
-            <a:endParaRPr b="0" lang="en-US" sz="3200" spc="-1" strike="noStrike">
-              <a:solidFill>
-                <a:srgbClr val="000000"/>
-              </a:solidFill>
-              <a:latin typeface="Calibri"/>
+            <a:endParaRPr b="0" lang="pt-BR" sz="3200" spc="-1" strike="noStrike">
+              <a:latin typeface="Arial"/>
             </a:endParaRPr>
           </a:p>
         </p:txBody>
@@ -836,11 +803,8 @@
             <a:normAutofit/>
           </a:bodyPr>
           <a:p>
-            <a:endParaRPr b="0" lang="en-US" sz="3200" spc="-1" strike="noStrike">
-              <a:solidFill>
-                <a:srgbClr val="000000"/>
-              </a:solidFill>
-              <a:latin typeface="Calibri"/>
+            <a:endParaRPr b="0" lang="pt-BR" sz="3200" spc="-1" strike="noStrike">
+              <a:latin typeface="Arial"/>
             </a:endParaRPr>
           </a:p>
         </p:txBody>
@@ -852,7 +816,7 @@
             <a:spLocks noGrp="1"/>
           </p:cNvSpPr>
           <p:nvPr>
-            <p:ph type="ftr" idx="2"/>
+            <p:ph type="ftr" idx="1"/>
           </p:nvPr>
         </p:nvSpPr>
         <p:spPr/>
@@ -872,14 +836,14 @@
             <a:spLocks noGrp="1"/>
           </p:cNvSpPr>
           <p:nvPr>
-            <p:ph type="sldNum" idx="3"/>
+            <p:ph type="sldNum" idx="2"/>
           </p:nvPr>
         </p:nvSpPr>
         <p:spPr/>
         <p:txBody>
           <a:bodyPr/>
           <a:p>
-            <a:fld id="{0E89439B-5A9A-4CC6-8AF1-7A35E002D497}" type="slidenum">
+            <a:fld id="{24516B1F-B1D0-4380-8179-938A4C8DA17F}" type="slidenum">
               <a:t>&lt;#&gt;</a:t>
             </a:fld>
           </a:p>
@@ -892,7 +856,7 @@
             <a:spLocks noGrp="1"/>
           </p:cNvSpPr>
           <p:nvPr>
-            <p:ph type="dt" idx="1"/>
+            <p:ph type="dt" idx="3"/>
           </p:nvPr>
         </p:nvSpPr>
         <p:spPr/>
@@ -956,11 +920,11 @@
             <a:noAutofit/>
           </a:bodyPr>
           <a:p>
-            <a:endParaRPr b="0" lang="en-US" sz="1800" spc="-1" strike="noStrike">
-              <a:solidFill>
-                <a:srgbClr val="000000"/>
-              </a:solidFill>
-              <a:latin typeface="Calibri"/>
+            <a:pPr algn="ctr">
+              <a:buNone/>
+            </a:pPr>
+            <a:endParaRPr b="0" lang="pt-BR" sz="4400" spc="-1" strike="noStrike">
+              <a:latin typeface="Arial"/>
             </a:endParaRPr>
           </a:p>
         </p:txBody>
@@ -1009,7 +973,7 @@
             <a:spLocks noGrp="1"/>
           </p:cNvSpPr>
           <p:nvPr>
-            <p:ph type="ftr" idx="2"/>
+            <p:ph type="ftr" idx="1"/>
           </p:nvPr>
         </p:nvSpPr>
         <p:spPr/>
@@ -1029,14 +993,14 @@
             <a:spLocks noGrp="1"/>
           </p:cNvSpPr>
           <p:nvPr>
-            <p:ph type="sldNum" idx="3"/>
+            <p:ph type="sldNum" idx="2"/>
           </p:nvPr>
         </p:nvSpPr>
         <p:spPr/>
         <p:txBody>
           <a:bodyPr/>
           <a:p>
-            <a:fld id="{4E13D357-724F-4666-8293-22A925BA8EF9}" type="slidenum">
+            <a:fld id="{7D7799AE-2D3C-4239-8A1A-1991837DA26E}" type="slidenum">
               <a:t>&lt;#&gt;</a:t>
             </a:fld>
           </a:p>
@@ -1049,7 +1013,7 @@
             <a:spLocks noGrp="1"/>
           </p:cNvSpPr>
           <p:nvPr>
-            <p:ph type="dt" idx="1"/>
+            <p:ph type="dt" idx="3"/>
           </p:nvPr>
         </p:nvSpPr>
         <p:spPr/>
@@ -1113,11 +1077,11 @@
             <a:noAutofit/>
           </a:bodyPr>
           <a:p>
-            <a:endParaRPr b="0" lang="en-US" sz="1800" spc="-1" strike="noStrike">
-              <a:solidFill>
-                <a:srgbClr val="000000"/>
-              </a:solidFill>
-              <a:latin typeface="Calibri"/>
+            <a:pPr algn="ctr">
+              <a:buNone/>
+            </a:pPr>
+            <a:endParaRPr b="0" lang="pt-BR" sz="4400" spc="-1" strike="noStrike">
+              <a:latin typeface="Arial"/>
             </a:endParaRPr>
           </a:p>
         </p:txBody>
@@ -1150,11 +1114,8 @@
             <a:normAutofit/>
           </a:bodyPr>
           <a:p>
-            <a:endParaRPr b="0" lang="en-US" sz="3200" spc="-1" strike="noStrike">
-              <a:solidFill>
-                <a:srgbClr val="000000"/>
-              </a:solidFill>
-              <a:latin typeface="Calibri"/>
+            <a:endParaRPr b="0" lang="pt-BR" sz="3200" spc="-1" strike="noStrike">
+              <a:latin typeface="Arial"/>
             </a:endParaRPr>
           </a:p>
         </p:txBody>
@@ -1166,7 +1127,7 @@
             <a:spLocks noGrp="1"/>
           </p:cNvSpPr>
           <p:nvPr>
-            <p:ph type="ftr" idx="2"/>
+            <p:ph type="ftr" idx="1"/>
           </p:nvPr>
         </p:nvSpPr>
         <p:spPr/>
@@ -1186,14 +1147,14 @@
             <a:spLocks noGrp="1"/>
           </p:cNvSpPr>
           <p:nvPr>
-            <p:ph type="sldNum" idx="3"/>
+            <p:ph type="sldNum" idx="2"/>
           </p:nvPr>
         </p:nvSpPr>
         <p:spPr/>
         <p:txBody>
           <a:bodyPr/>
           <a:p>
-            <a:fld id="{0BF3C478-E0D3-492C-BA15-5E0EAAEC3BB1}" type="slidenum">
+            <a:fld id="{1ED32229-F477-4558-BD73-7AB16134488E}" type="slidenum">
               <a:t>&lt;#&gt;</a:t>
             </a:fld>
           </a:p>
@@ -1206,7 +1167,7 @@
             <a:spLocks noGrp="1"/>
           </p:cNvSpPr>
           <p:nvPr>
-            <p:ph type="dt" idx="1"/>
+            <p:ph type="dt" idx="3"/>
           </p:nvPr>
         </p:nvSpPr>
         <p:spPr/>
@@ -1270,11 +1231,11 @@
             <a:noAutofit/>
           </a:bodyPr>
           <a:p>
-            <a:endParaRPr b="0" lang="en-US" sz="1800" spc="-1" strike="noStrike">
-              <a:solidFill>
-                <a:srgbClr val="000000"/>
-              </a:solidFill>
-              <a:latin typeface="Calibri"/>
+            <a:pPr algn="ctr">
+              <a:buNone/>
+            </a:pPr>
+            <a:endParaRPr b="0" lang="pt-BR" sz="4400" spc="-1" strike="noStrike">
+              <a:latin typeface="Arial"/>
             </a:endParaRPr>
           </a:p>
         </p:txBody>
@@ -1307,11 +1268,8 @@
             <a:normAutofit/>
           </a:bodyPr>
           <a:p>
-            <a:endParaRPr b="0" lang="en-US" sz="3200" spc="-1" strike="noStrike">
-              <a:solidFill>
-                <a:srgbClr val="000000"/>
-              </a:solidFill>
-              <a:latin typeface="Calibri"/>
+            <a:endParaRPr b="0" lang="pt-BR" sz="3200" spc="-1" strike="noStrike">
+              <a:latin typeface="Arial"/>
             </a:endParaRPr>
           </a:p>
         </p:txBody>
@@ -1344,11 +1302,8 @@
             <a:normAutofit/>
           </a:bodyPr>
           <a:p>
-            <a:endParaRPr b="0" lang="en-US" sz="3200" spc="-1" strike="noStrike">
-              <a:solidFill>
-                <a:srgbClr val="000000"/>
-              </a:solidFill>
-              <a:latin typeface="Calibri"/>
+            <a:endParaRPr b="0" lang="pt-BR" sz="3200" spc="-1" strike="noStrike">
+              <a:latin typeface="Arial"/>
             </a:endParaRPr>
           </a:p>
         </p:txBody>
@@ -1360,7 +1315,7 @@
             <a:spLocks noGrp="1"/>
           </p:cNvSpPr>
           <p:nvPr>
-            <p:ph type="ftr" idx="2"/>
+            <p:ph type="ftr" idx="1"/>
           </p:nvPr>
         </p:nvSpPr>
         <p:spPr/>
@@ -1380,14 +1335,14 @@
             <a:spLocks noGrp="1"/>
           </p:cNvSpPr>
           <p:nvPr>
-            <p:ph type="sldNum" idx="3"/>
+            <p:ph type="sldNum" idx="2"/>
           </p:nvPr>
         </p:nvSpPr>
         <p:spPr/>
         <p:txBody>
           <a:bodyPr/>
           <a:p>
-            <a:fld id="{CA08DC53-A19D-4676-8797-FB04771E7051}" type="slidenum">
+            <a:fld id="{2BA8B8DB-D29D-48B2-9ABD-0D10B34CD202}" type="slidenum">
               <a:t>&lt;#&gt;</a:t>
             </a:fld>
           </a:p>
@@ -1400,7 +1355,7 @@
             <a:spLocks noGrp="1"/>
           </p:cNvSpPr>
           <p:nvPr>
-            <p:ph type="dt" idx="1"/>
+            <p:ph type="dt" idx="3"/>
           </p:nvPr>
         </p:nvSpPr>
         <p:spPr/>
@@ -1464,11 +1419,11 @@
             <a:noAutofit/>
           </a:bodyPr>
           <a:p>
-            <a:endParaRPr b="0" lang="en-US" sz="1800" spc="-1" strike="noStrike">
-              <a:solidFill>
-                <a:srgbClr val="000000"/>
-              </a:solidFill>
-              <a:latin typeface="Calibri"/>
+            <a:pPr algn="ctr">
+              <a:buNone/>
+            </a:pPr>
+            <a:endParaRPr b="0" lang="pt-BR" sz="4400" spc="-1" strike="noStrike">
+              <a:latin typeface="Arial"/>
             </a:endParaRPr>
           </a:p>
         </p:txBody>
@@ -1480,7 +1435,7 @@
             <a:spLocks noGrp="1"/>
           </p:cNvSpPr>
           <p:nvPr>
-            <p:ph type="ftr" idx="2"/>
+            <p:ph type="ftr" idx="1"/>
           </p:nvPr>
         </p:nvSpPr>
         <p:spPr/>
@@ -1500,14 +1455,14 @@
             <a:spLocks noGrp="1"/>
           </p:cNvSpPr>
           <p:nvPr>
-            <p:ph type="sldNum" idx="3"/>
+            <p:ph type="sldNum" idx="2"/>
           </p:nvPr>
         </p:nvSpPr>
         <p:spPr/>
         <p:txBody>
           <a:bodyPr/>
           <a:p>
-            <a:fld id="{5FF0CE16-BA3C-4B29-82BB-6190FF2CED6F}" type="slidenum">
+            <a:fld id="{CE484FC5-1984-435F-8DF3-A135E9150D83}" type="slidenum">
               <a:t>&lt;#&gt;</a:t>
             </a:fld>
           </a:p>
@@ -1520,7 +1475,7 @@
             <a:spLocks noGrp="1"/>
           </p:cNvSpPr>
           <p:nvPr>
-            <p:ph type="dt" idx="1"/>
+            <p:ph type="dt" idx="3"/>
           </p:nvPr>
         </p:nvSpPr>
         <p:spPr/>
@@ -1600,7 +1555,7 @@
             <a:spLocks noGrp="1"/>
           </p:cNvSpPr>
           <p:nvPr>
-            <p:ph type="ftr" idx="2"/>
+            <p:ph type="ftr" idx="1"/>
           </p:nvPr>
         </p:nvSpPr>
         <p:spPr/>
@@ -1620,14 +1575,14 @@
             <a:spLocks noGrp="1"/>
           </p:cNvSpPr>
           <p:nvPr>
-            <p:ph type="sldNum" idx="3"/>
+            <p:ph type="sldNum" idx="2"/>
           </p:nvPr>
         </p:nvSpPr>
         <p:spPr/>
         <p:txBody>
           <a:bodyPr/>
           <a:p>
-            <a:fld id="{B5D1117E-31E4-44A4-905A-307EB804E3AB}" type="slidenum">
+            <a:fld id="{39E39447-E150-441B-AF40-782E61594BC4}" type="slidenum">
               <a:t>&lt;#&gt;</a:t>
             </a:fld>
           </a:p>
@@ -1640,7 +1595,7 @@
             <a:spLocks noGrp="1"/>
           </p:cNvSpPr>
           <p:nvPr>
-            <p:ph type="dt" idx="1"/>
+            <p:ph type="dt" idx="3"/>
           </p:nvPr>
         </p:nvSpPr>
         <p:spPr/>
@@ -1704,11 +1659,11 @@
             <a:noAutofit/>
           </a:bodyPr>
           <a:p>
-            <a:endParaRPr b="0" lang="en-US" sz="1800" spc="-1" strike="noStrike">
-              <a:solidFill>
-                <a:srgbClr val="000000"/>
-              </a:solidFill>
-              <a:latin typeface="Calibri"/>
+            <a:pPr algn="ctr">
+              <a:buNone/>
+            </a:pPr>
+            <a:endParaRPr b="0" lang="pt-BR" sz="4400" spc="-1" strike="noStrike">
+              <a:latin typeface="Arial"/>
             </a:endParaRPr>
           </a:p>
         </p:txBody>
@@ -1741,11 +1696,8 @@
             <a:normAutofit/>
           </a:bodyPr>
           <a:p>
-            <a:endParaRPr b="0" lang="en-US" sz="3200" spc="-1" strike="noStrike">
-              <a:solidFill>
-                <a:srgbClr val="000000"/>
-              </a:solidFill>
-              <a:latin typeface="Calibri"/>
+            <a:endParaRPr b="0" lang="pt-BR" sz="3200" spc="-1" strike="noStrike">
+              <a:latin typeface="Arial"/>
             </a:endParaRPr>
           </a:p>
         </p:txBody>
@@ -1778,11 +1730,8 @@
             <a:normAutofit/>
           </a:bodyPr>
           <a:p>
-            <a:endParaRPr b="0" lang="en-US" sz="3200" spc="-1" strike="noStrike">
-              <a:solidFill>
-                <a:srgbClr val="000000"/>
-              </a:solidFill>
-              <a:latin typeface="Calibri"/>
+            <a:endParaRPr b="0" lang="pt-BR" sz="3200" spc="-1" strike="noStrike">
+              <a:latin typeface="Arial"/>
             </a:endParaRPr>
           </a:p>
         </p:txBody>
@@ -1815,11 +1764,8 @@
             <a:normAutofit/>
           </a:bodyPr>
           <a:p>
-            <a:endParaRPr b="0" lang="en-US" sz="3200" spc="-1" strike="noStrike">
-              <a:solidFill>
-                <a:srgbClr val="000000"/>
-              </a:solidFill>
-              <a:latin typeface="Calibri"/>
+            <a:endParaRPr b="0" lang="pt-BR" sz="3200" spc="-1" strike="noStrike">
+              <a:latin typeface="Arial"/>
             </a:endParaRPr>
           </a:p>
         </p:txBody>
@@ -1831,7 +1777,7 @@
             <a:spLocks noGrp="1"/>
           </p:cNvSpPr>
           <p:nvPr>
-            <p:ph type="ftr" idx="2"/>
+            <p:ph type="ftr" idx="1"/>
           </p:nvPr>
         </p:nvSpPr>
         <p:spPr/>
@@ -1851,14 +1797,14 @@
             <a:spLocks noGrp="1"/>
           </p:cNvSpPr>
           <p:nvPr>
-            <p:ph type="sldNum" idx="3"/>
+            <p:ph type="sldNum" idx="2"/>
           </p:nvPr>
         </p:nvSpPr>
         <p:spPr/>
         <p:txBody>
           <a:bodyPr/>
           <a:p>
-            <a:fld id="{8E83B50C-DFD2-4B7D-8058-CBB0BFD0C288}" type="slidenum">
+            <a:fld id="{F87A19E0-50EF-4D44-AB37-EF849BD20967}" type="slidenum">
               <a:t>&lt;#&gt;</a:t>
             </a:fld>
           </a:p>
@@ -1871,7 +1817,7 @@
             <a:spLocks noGrp="1"/>
           </p:cNvSpPr>
           <p:nvPr>
-            <p:ph type="dt" idx="1"/>
+            <p:ph type="dt" idx="3"/>
           </p:nvPr>
         </p:nvSpPr>
         <p:spPr/>
@@ -1935,11 +1881,11 @@
             <a:noAutofit/>
           </a:bodyPr>
           <a:p>
-            <a:endParaRPr b="0" lang="en-US" sz="1800" spc="-1" strike="noStrike">
-              <a:solidFill>
-                <a:srgbClr val="000000"/>
-              </a:solidFill>
-              <a:latin typeface="Calibri"/>
+            <a:pPr algn="ctr">
+              <a:buNone/>
+            </a:pPr>
+            <a:endParaRPr b="0" lang="pt-BR" sz="4400" spc="-1" strike="noStrike">
+              <a:latin typeface="Arial"/>
             </a:endParaRPr>
           </a:p>
         </p:txBody>
@@ -1972,11 +1918,8 @@
             <a:normAutofit/>
           </a:bodyPr>
           <a:p>
-            <a:endParaRPr b="0" lang="en-US" sz="3200" spc="-1" strike="noStrike">
-              <a:solidFill>
-                <a:srgbClr val="000000"/>
-              </a:solidFill>
-              <a:latin typeface="Calibri"/>
+            <a:endParaRPr b="0" lang="pt-BR" sz="3200" spc="-1" strike="noStrike">
+              <a:latin typeface="Arial"/>
             </a:endParaRPr>
           </a:p>
         </p:txBody>
@@ -2009,11 +1952,8 @@
             <a:normAutofit/>
           </a:bodyPr>
           <a:p>
-            <a:endParaRPr b="0" lang="en-US" sz="3200" spc="-1" strike="noStrike">
-              <a:solidFill>
-                <a:srgbClr val="000000"/>
-              </a:solidFill>
-              <a:latin typeface="Calibri"/>
+            <a:endParaRPr b="0" lang="pt-BR" sz="3200" spc="-1" strike="noStrike">
+              <a:latin typeface="Arial"/>
             </a:endParaRPr>
           </a:p>
         </p:txBody>
@@ -2046,11 +1986,8 @@
             <a:normAutofit/>
           </a:bodyPr>
           <a:p>
-            <a:endParaRPr b="0" lang="en-US" sz="3200" spc="-1" strike="noStrike">
-              <a:solidFill>
-                <a:srgbClr val="000000"/>
-              </a:solidFill>
-              <a:latin typeface="Calibri"/>
+            <a:endParaRPr b="0" lang="pt-BR" sz="3200" spc="-1" strike="noStrike">
+              <a:latin typeface="Arial"/>
             </a:endParaRPr>
           </a:p>
         </p:txBody>
@@ -2062,7 +1999,7 @@
             <a:spLocks noGrp="1"/>
           </p:cNvSpPr>
           <p:nvPr>
-            <p:ph type="ftr" idx="2"/>
+            <p:ph type="ftr" idx="1"/>
           </p:nvPr>
         </p:nvSpPr>
         <p:spPr/>
@@ -2082,14 +2019,14 @@
             <a:spLocks noGrp="1"/>
           </p:cNvSpPr>
           <p:nvPr>
-            <p:ph type="sldNum" idx="3"/>
+            <p:ph type="sldNum" idx="2"/>
           </p:nvPr>
         </p:nvSpPr>
         <p:spPr/>
         <p:txBody>
           <a:bodyPr/>
           <a:p>
-            <a:fld id="{111AE64B-3BFC-4BB4-9A05-F30D5A84820D}" type="slidenum">
+            <a:fld id="{85631FCA-4E53-42D5-B986-6718CE9E7EA9}" type="slidenum">
               <a:t>&lt;#&gt;</a:t>
             </a:fld>
           </a:p>
@@ -2102,7 +2039,7 @@
             <a:spLocks noGrp="1"/>
           </p:cNvSpPr>
           <p:nvPr>
-            <p:ph type="dt" idx="1"/>
+            <p:ph type="dt" idx="3"/>
           </p:nvPr>
         </p:nvSpPr>
         <p:spPr/>
@@ -2166,11 +2103,11 @@
             <a:noAutofit/>
           </a:bodyPr>
           <a:p>
-            <a:endParaRPr b="0" lang="en-US" sz="1800" spc="-1" strike="noStrike">
-              <a:solidFill>
-                <a:srgbClr val="000000"/>
-              </a:solidFill>
-              <a:latin typeface="Calibri"/>
+            <a:pPr algn="ctr">
+              <a:buNone/>
+            </a:pPr>
+            <a:endParaRPr b="0" lang="pt-BR" sz="4400" spc="-1" strike="noStrike">
+              <a:latin typeface="Arial"/>
             </a:endParaRPr>
           </a:p>
         </p:txBody>
@@ -2203,11 +2140,8 @@
             <a:normAutofit/>
           </a:bodyPr>
           <a:p>
-            <a:endParaRPr b="0" lang="en-US" sz="3200" spc="-1" strike="noStrike">
-              <a:solidFill>
-                <a:srgbClr val="000000"/>
-              </a:solidFill>
-              <a:latin typeface="Calibri"/>
+            <a:endParaRPr b="0" lang="pt-BR" sz="3200" spc="-1" strike="noStrike">
+              <a:latin typeface="Arial"/>
             </a:endParaRPr>
           </a:p>
         </p:txBody>
@@ -2240,11 +2174,8 @@
             <a:normAutofit/>
           </a:bodyPr>
           <a:p>
-            <a:endParaRPr b="0" lang="en-US" sz="3200" spc="-1" strike="noStrike">
-              <a:solidFill>
-                <a:srgbClr val="000000"/>
-              </a:solidFill>
-              <a:latin typeface="Calibri"/>
+            <a:endParaRPr b="0" lang="pt-BR" sz="3200" spc="-1" strike="noStrike">
+              <a:latin typeface="Arial"/>
             </a:endParaRPr>
           </a:p>
         </p:txBody>
@@ -2277,11 +2208,8 @@
             <a:normAutofit/>
           </a:bodyPr>
           <a:p>
-            <a:endParaRPr b="0" lang="en-US" sz="3200" spc="-1" strike="noStrike">
-              <a:solidFill>
-                <a:srgbClr val="000000"/>
-              </a:solidFill>
-              <a:latin typeface="Calibri"/>
+            <a:endParaRPr b="0" lang="pt-BR" sz="3200" spc="-1" strike="noStrike">
+              <a:latin typeface="Arial"/>
             </a:endParaRPr>
           </a:p>
         </p:txBody>
@@ -2293,7 +2221,7 @@
             <a:spLocks noGrp="1"/>
           </p:cNvSpPr>
           <p:nvPr>
-            <p:ph type="ftr" idx="2"/>
+            <p:ph type="ftr" idx="1"/>
           </p:nvPr>
         </p:nvSpPr>
         <p:spPr/>
@@ -2313,14 +2241,14 @@
             <a:spLocks noGrp="1"/>
           </p:cNvSpPr>
           <p:nvPr>
-            <p:ph type="sldNum" idx="3"/>
+            <p:ph type="sldNum" idx="2"/>
           </p:nvPr>
         </p:nvSpPr>
         <p:spPr/>
         <p:txBody>
           <a:bodyPr/>
           <a:p>
-            <a:fld id="{C2628C7A-05A5-4062-A1BF-76C16D12FB99}" type="slidenum">
+            <a:fld id="{FEACC014-4D36-4328-89F2-70BDBD10876D}" type="slidenum">
               <a:t>&lt;#&gt;</a:t>
             </a:fld>
           </a:p>
@@ -2333,7 +2261,7 @@
             <a:spLocks noGrp="1"/>
           </p:cNvSpPr>
           <p:nvPr>
-            <p:ph type="dt" idx="1"/>
+            <p:ph type="dt" idx="3"/>
           </p:nvPr>
         </p:nvSpPr>
         <p:spPr/>
@@ -2383,13 +2311,13 @@
             <a:spLocks noGrp="1"/>
           </p:cNvSpPr>
           <p:nvPr>
-            <p:ph type="dt" idx="1"/>
-          </p:nvPr>
-        </p:nvSpPr>
-        <p:spPr>
-          <a:xfrm>
-            <a:off x="457200" y="6356520"/>
-            <a:ext cx="2133360" cy="364680"/>
+            <p:ph type="ftr" idx="1"/>
+          </p:nvPr>
+        </p:nvSpPr>
+        <p:spPr>
+          <a:xfrm>
+            <a:off x="3124080" y="6356520"/>
+            <a:ext cx="2894760" cy="364320"/>
           </a:xfrm>
           <a:prstGeom prst="rect">
             <a:avLst/>
@@ -2400,74 +2328,14 @@
           </a:ln>
         </p:spPr>
         <p:txBody>
-          <a:bodyPr anchor="ctr">
-            <a:noAutofit/>
-          </a:bodyPr>
-          <a:lstStyle>
-            <a:lvl1pPr>
-              <a:lnSpc>
-                <a:spcPct val="100000"/>
-              </a:lnSpc>
-              <a:buNone/>
-              <a:defRPr b="0" lang="en-US" sz="1200" spc="-1" strike="noStrike">
-                <a:solidFill>
-                  <a:srgbClr val="8b8b8b"/>
-                </a:solidFill>
-                <a:latin typeface="Calibri"/>
-              </a:defRPr>
-            </a:lvl1pPr>
-          </a:lstStyle>
-          <a:p>
-            <a:pPr>
-              <a:lnSpc>
-                <a:spcPct val="100000"/>
-              </a:lnSpc>
-              <a:buNone/>
-            </a:pPr>
-            <a:r>
-              <a:rPr b="0" lang="en-US" sz="1200" spc="-1" strike="noStrike">
-                <a:solidFill>
-                  <a:srgbClr val="8b8b8b"/>
-                </a:solidFill>
-                <a:latin typeface="Calibri"/>
-              </a:rPr>
-              <a:t> </a:t>
-            </a:r>
-            <a:endParaRPr b="0" lang="pt-BR" sz="1200" spc="-1" strike="noStrike">
-              <a:latin typeface="Times New Roman"/>
-            </a:endParaRPr>
-          </a:p>
-        </p:txBody>
-      </p:sp>
-      <p:sp>
-        <p:nvSpPr>
-          <p:cNvPr id="1" name="PlaceHolder 2"/>
-          <p:cNvSpPr>
-            <a:spLocks noGrp="1"/>
-          </p:cNvSpPr>
-          <p:nvPr>
-            <p:ph type="ftr" idx="2"/>
-          </p:nvPr>
-        </p:nvSpPr>
-        <p:spPr>
-          <a:xfrm>
-            <a:off x="3124080" y="6356520"/>
-            <a:ext cx="2895120" cy="364680"/>
-          </a:xfrm>
-          <a:prstGeom prst="rect">
-            <a:avLst/>
-          </a:prstGeom>
-          <a:noFill/>
-          <a:ln w="0">
-            <a:noFill/>
-          </a:ln>
-        </p:spPr>
-        <p:txBody>
-          <a:bodyPr anchor="ctr">
+          <a:bodyPr lIns="90000" rIns="90000" tIns="45000" bIns="45000" anchor="ctr">
             <a:noAutofit/>
           </a:bodyPr>
           <a:lstStyle>
             <a:lvl1pPr algn="ctr">
+              <a:lnSpc>
+                <a:spcPct val="100000"/>
+              </a:lnSpc>
               <a:buNone/>
               <a:defRPr b="0" lang="pt-BR" sz="1400" spc="-1" strike="noStrike">
                 <a:latin typeface="Times New Roman"/>
@@ -2476,6 +2344,9 @@
           </a:lstStyle>
           <a:p>
             <a:pPr algn="ctr">
+              <a:lnSpc>
+                <a:spcPct val="100000"/>
+              </a:lnSpc>
               <a:buNone/>
             </a:pPr>
             <a:r>
@@ -2492,18 +2363,18 @@
       </p:sp>
       <p:sp>
         <p:nvSpPr>
-          <p:cNvPr id="2" name="PlaceHolder 3"/>
-          <p:cNvSpPr>
-            <a:spLocks noGrp="1"/>
-          </p:cNvSpPr>
-          <p:nvPr>
-            <p:ph type="sldNum" idx="3"/>
+          <p:cNvPr id="1" name="PlaceHolder 2"/>
+          <p:cNvSpPr>
+            <a:spLocks noGrp="1"/>
+          </p:cNvSpPr>
+          <p:nvPr>
+            <p:ph type="sldNum" idx="2"/>
           </p:nvPr>
         </p:nvSpPr>
         <p:spPr>
           <a:xfrm>
             <a:off x="6553080" y="6356520"/>
-            <a:ext cx="2133360" cy="364680"/>
+            <a:ext cx="2133000" cy="364320"/>
           </a:xfrm>
           <a:prstGeom prst="rect">
             <a:avLst/>
@@ -2514,7 +2385,7 @@
           </a:ln>
         </p:spPr>
         <p:txBody>
-          <a:bodyPr anchor="ctr">
+          <a:bodyPr lIns="90000" rIns="90000" tIns="45000" bIns="45000" anchor="ctr">
             <a:noAutofit/>
           </a:bodyPr>
           <a:lstStyle>
@@ -2538,7 +2409,7 @@
               </a:lnSpc>
               <a:buNone/>
             </a:pPr>
-            <a:fld id="{CCB38FE3-5BCD-44D4-A572-B716E674652A}" type="slidenum">
+            <a:fld id="{B0087639-8899-4B73-8C8E-45FDCF3809C7}" type="slidenum">
               <a:rPr b="0" lang="en-US" sz="1200" spc="-1" strike="noStrike">
                 <a:solidFill>
                   <a:srgbClr val="8b8b8b"/>
@@ -2555,6 +2426,53 @@
       </p:sp>
       <p:sp>
         <p:nvSpPr>
+          <p:cNvPr id="2" name="PlaceHolder 3"/>
+          <p:cNvSpPr>
+            <a:spLocks noGrp="1"/>
+          </p:cNvSpPr>
+          <p:nvPr>
+            <p:ph type="dt" idx="3"/>
+          </p:nvPr>
+        </p:nvSpPr>
+        <p:spPr>
+          <a:xfrm>
+            <a:off x="457200" y="6356520"/>
+            <a:ext cx="2133000" cy="364320"/>
+          </a:xfrm>
+          <a:prstGeom prst="rect">
+            <a:avLst/>
+          </a:prstGeom>
+          <a:noFill/>
+          <a:ln w="0">
+            <a:noFill/>
+          </a:ln>
+        </p:spPr>
+        <p:txBody>
+          <a:bodyPr lIns="90000" rIns="90000" tIns="45000" bIns="45000" anchor="ctr">
+            <a:noAutofit/>
+          </a:bodyPr>
+          <a:lstStyle>
+            <a:lvl1pPr>
+              <a:defRPr b="0" lang="pt-BR" sz="1400" spc="-1" strike="noStrike">
+                <a:latin typeface="Times New Roman"/>
+              </a:defRPr>
+            </a:lvl1pPr>
+          </a:lstStyle>
+          <a:p>
+            <a:r>
+              <a:rPr b="0" lang="pt-BR" sz="1400" spc="-1" strike="noStrike">
+                <a:latin typeface="Times New Roman"/>
+              </a:rPr>
+              <a:t>&lt;date/time&gt;</a:t>
+            </a:r>
+            <a:endParaRPr b="0" lang="pt-BR" sz="1400" spc="-1" strike="noStrike">
+              <a:latin typeface="Times New Roman"/>
+            </a:endParaRPr>
+          </a:p>
+        </p:txBody>
+      </p:sp>
+      <p:sp>
+        <p:nvSpPr>
           <p:cNvPr id="3" name="PlaceHolder 4"/>
           <p:cNvSpPr>
             <a:spLocks noGrp="1"/>
@@ -2581,20 +2499,17 @@
             <a:noAutofit/>
           </a:bodyPr>
           <a:p>
-            <a:r>
-              <a:rPr b="0" lang="en-US" sz="1800" spc="-1" strike="noStrike">
-                <a:solidFill>
-                  <a:srgbClr val="000000"/>
-                </a:solidFill>
-                <a:latin typeface="Calibri"/>
+            <a:pPr algn="ctr">
+              <a:buNone/>
+            </a:pPr>
+            <a:r>
+              <a:rPr b="0" lang="pt-BR" sz="4400" spc="-1" strike="noStrike">
+                <a:latin typeface="Arial"/>
               </a:rPr>
               <a:t>Click to edit the title text format</a:t>
             </a:r>
-            <a:endParaRPr b="0" lang="en-US" sz="1800" spc="-1" strike="noStrike">
-              <a:solidFill>
-                <a:srgbClr val="000000"/>
-              </a:solidFill>
-              <a:latin typeface="Calibri"/>
+            <a:endParaRPr b="0" lang="pt-BR" sz="4400" spc="-1" strike="noStrike">
+              <a:latin typeface="Arial"/>
             </a:endParaRPr>
           </a:p>
         </p:txBody>
@@ -2639,19 +2554,13 @@
               <a:buChar char=""/>
             </a:pPr>
             <a:r>
-              <a:rPr b="0" lang="en-US" sz="3200" spc="-1" strike="noStrike">
-                <a:solidFill>
-                  <a:srgbClr val="000000"/>
-                </a:solidFill>
-                <a:latin typeface="Calibri"/>
+              <a:rPr b="0" lang="pt-BR" sz="3200" spc="-1" strike="noStrike">
+                <a:latin typeface="Arial"/>
               </a:rPr>
               <a:t>Click to edit the outline text format</a:t>
             </a:r>
-            <a:endParaRPr b="0" lang="en-US" sz="3200" spc="-1" strike="noStrike">
-              <a:solidFill>
-                <a:srgbClr val="000000"/>
-              </a:solidFill>
-              <a:latin typeface="Calibri"/>
+            <a:endParaRPr b="0" lang="pt-BR" sz="3200" spc="-1" strike="noStrike">
+              <a:latin typeface="Arial"/>
             </a:endParaRPr>
           </a:p>
           <a:p>
@@ -2667,19 +2576,13 @@
               <a:buChar char=""/>
             </a:pPr>
             <a:r>
-              <a:rPr b="0" lang="en-US" sz="2400" spc="-1" strike="noStrike">
-                <a:solidFill>
-                  <a:srgbClr val="000000"/>
-                </a:solidFill>
-                <a:latin typeface="Calibri"/>
+              <a:rPr b="0" lang="pt-BR" sz="2800" spc="-1" strike="noStrike">
+                <a:latin typeface="Arial"/>
               </a:rPr>
               <a:t>Second Outline Level</a:t>
             </a:r>
-            <a:endParaRPr b="0" lang="en-US" sz="2400" spc="-1" strike="noStrike">
-              <a:solidFill>
-                <a:srgbClr val="000000"/>
-              </a:solidFill>
-              <a:latin typeface="Calibri"/>
+            <a:endParaRPr b="0" lang="pt-BR" sz="2800" spc="-1" strike="noStrike">
+              <a:latin typeface="Arial"/>
             </a:endParaRPr>
           </a:p>
           <a:p>
@@ -2695,19 +2598,13 @@
               <a:buChar char=""/>
             </a:pPr>
             <a:r>
-              <a:rPr b="0" lang="en-US" sz="2000" spc="-1" strike="noStrike">
-                <a:solidFill>
-                  <a:srgbClr val="000000"/>
-                </a:solidFill>
-                <a:latin typeface="Calibri"/>
+              <a:rPr b="0" lang="pt-BR" sz="2400" spc="-1" strike="noStrike">
+                <a:latin typeface="Arial"/>
               </a:rPr>
               <a:t>Third Outline Level</a:t>
             </a:r>
-            <a:endParaRPr b="0" lang="en-US" sz="2000" spc="-1" strike="noStrike">
-              <a:solidFill>
-                <a:srgbClr val="000000"/>
-              </a:solidFill>
-              <a:latin typeface="Calibri"/>
+            <a:endParaRPr b="0" lang="pt-BR" sz="2400" spc="-1" strike="noStrike">
+              <a:latin typeface="Arial"/>
             </a:endParaRPr>
           </a:p>
           <a:p>
@@ -2723,19 +2620,13 @@
               <a:buChar char=""/>
             </a:pPr>
             <a:r>
-              <a:rPr b="0" lang="en-US" sz="2000" spc="-1" strike="noStrike">
-                <a:solidFill>
-                  <a:srgbClr val="000000"/>
-                </a:solidFill>
-                <a:latin typeface="Calibri"/>
+              <a:rPr b="0" lang="pt-BR" sz="2000" spc="-1" strike="noStrike">
+                <a:latin typeface="Arial"/>
               </a:rPr>
               <a:t>Fourth Outline Level</a:t>
             </a:r>
-            <a:endParaRPr b="0" lang="en-US" sz="2000" spc="-1" strike="noStrike">
-              <a:solidFill>
-                <a:srgbClr val="000000"/>
-              </a:solidFill>
-              <a:latin typeface="Calibri"/>
+            <a:endParaRPr b="0" lang="pt-BR" sz="2000" spc="-1" strike="noStrike">
+              <a:latin typeface="Arial"/>
             </a:endParaRPr>
           </a:p>
           <a:p>
@@ -2751,19 +2642,13 @@
               <a:buChar char=""/>
             </a:pPr>
             <a:r>
-              <a:rPr b="0" lang="en-US" sz="2000" spc="-1" strike="noStrike">
-                <a:solidFill>
-                  <a:srgbClr val="000000"/>
-                </a:solidFill>
-                <a:latin typeface="Calibri"/>
+              <a:rPr b="0" lang="pt-BR" sz="2000" spc="-1" strike="noStrike">
+                <a:latin typeface="Arial"/>
               </a:rPr>
               <a:t>Fifth Outline Level</a:t>
             </a:r>
-            <a:endParaRPr b="0" lang="en-US" sz="2000" spc="-1" strike="noStrike">
-              <a:solidFill>
-                <a:srgbClr val="000000"/>
-              </a:solidFill>
-              <a:latin typeface="Calibri"/>
+            <a:endParaRPr b="0" lang="pt-BR" sz="2000" spc="-1" strike="noStrike">
+              <a:latin typeface="Arial"/>
             </a:endParaRPr>
           </a:p>
           <a:p>
@@ -2779,19 +2664,13 @@
               <a:buChar char=""/>
             </a:pPr>
             <a:r>
-              <a:rPr b="0" lang="en-US" sz="2000" spc="-1" strike="noStrike">
-                <a:solidFill>
-                  <a:srgbClr val="000000"/>
-                </a:solidFill>
-                <a:latin typeface="Calibri"/>
+              <a:rPr b="0" lang="pt-BR" sz="2000" spc="-1" strike="noStrike">
+                <a:latin typeface="Arial"/>
               </a:rPr>
               <a:t>Sixth Outline Level</a:t>
             </a:r>
-            <a:endParaRPr b="0" lang="en-US" sz="2000" spc="-1" strike="noStrike">
-              <a:solidFill>
-                <a:srgbClr val="000000"/>
-              </a:solidFill>
-              <a:latin typeface="Calibri"/>
+            <a:endParaRPr b="0" lang="pt-BR" sz="2000" spc="-1" strike="noStrike">
+              <a:latin typeface="Arial"/>
             </a:endParaRPr>
           </a:p>
           <a:p>
@@ -2807,19 +2686,13 @@
               <a:buChar char=""/>
             </a:pPr>
             <a:r>
-              <a:rPr b="0" lang="en-US" sz="2000" spc="-1" strike="noStrike">
-                <a:solidFill>
-                  <a:srgbClr val="000000"/>
-                </a:solidFill>
-                <a:latin typeface="Calibri"/>
+              <a:rPr b="0" lang="pt-BR" sz="2000" spc="-1" strike="noStrike">
+                <a:latin typeface="Arial"/>
               </a:rPr>
               <a:t>Seventh Outline Level</a:t>
             </a:r>
-            <a:endParaRPr b="0" lang="en-US" sz="2000" spc="-1" strike="noStrike">
-              <a:solidFill>
-                <a:srgbClr val="000000"/>
-              </a:solidFill>
-              <a:latin typeface="Calibri"/>
+            <a:endParaRPr b="0" lang="pt-BR" sz="2000" spc="-1" strike="noStrike">
+              <a:latin typeface="Arial"/>
             </a:endParaRPr>
           </a:p>
         </p:txBody>
@@ -2876,8 +2749,8 @@
         </p:nvSpPr>
         <p:spPr>
           <a:xfrm rot="21429000">
-            <a:off x="-1584360" y="302760"/>
-            <a:ext cx="19495080" cy="5937120"/>
+            <a:off x="-1584360" y="302400"/>
+            <a:ext cx="19494720" cy="5936760"/>
           </a:xfrm>
           <a:custGeom>
             <a:avLst/>
@@ -2930,7 +2803,7 @@
         <p:spPr>
           <a:xfrm>
             <a:off x="4480920" y="5894280"/>
-            <a:ext cx="9326160" cy="2961360"/>
+            <a:ext cx="9325800" cy="2961000"/>
           </a:xfrm>
           <a:custGeom>
             <a:avLst/>
@@ -2983,7 +2856,7 @@
         <p:spPr>
           <a:xfrm>
             <a:off x="0" y="1431000"/>
-            <a:ext cx="18287640" cy="1494000"/>
+            <a:ext cx="18287280" cy="1493640"/>
           </a:xfrm>
           <a:prstGeom prst="rect">
             <a:avLst/>
@@ -3016,6 +2889,7 @@
                   <a:srgbClr val="ffffff"/>
                 </a:solidFill>
                 <a:latin typeface="Michroma"/>
+                <a:ea typeface="DejaVu Sans"/>
               </a:rPr>
               <a:t>PROJETO “HOOK&amp;MODAL” </a:t>
             </a:r>
@@ -3034,7 +2908,7 @@
         <p:spPr>
           <a:xfrm>
             <a:off x="0" y="4954680"/>
-            <a:ext cx="18287640" cy="355320"/>
+            <a:ext cx="18287280" cy="355320"/>
           </a:xfrm>
           <a:prstGeom prst="rect">
             <a:avLst/>
@@ -3067,6 +2941,7 @@
                   <a:srgbClr val="ffffff"/>
                 </a:solidFill>
                 <a:latin typeface="Michroma"/>
+                <a:ea typeface="DejaVu Sans"/>
               </a:rPr>
               <a:t>ANA JÚLIA REIS 05, DAVI NOGUEIRA 11, GUILHERME VEIGA 18, MARCOS ANTÔNIO  24</a:t>
             </a:r>
@@ -3121,8 +2996,8 @@
         </p:nvSpPr>
         <p:spPr>
           <a:xfrm rot="13500000">
-            <a:off x="-3744360" y="-2058120"/>
-            <a:ext cx="8759880" cy="8850240"/>
+            <a:off x="-3744000" y="-2057400"/>
+            <a:ext cx="8759520" cy="8849880"/>
           </a:xfrm>
           <a:custGeom>
             <a:avLst/>
@@ -3175,7 +3050,7 @@
         <p:spPr>
           <a:xfrm>
             <a:off x="5376600" y="1990800"/>
-            <a:ext cx="7534080" cy="7028640"/>
+            <a:ext cx="7533720" cy="7028280"/>
           </a:xfrm>
           <a:custGeom>
             <a:avLst/>
@@ -3228,7 +3103,7 @@
         <p:spPr>
           <a:xfrm>
             <a:off x="0" y="438480"/>
-            <a:ext cx="18287640" cy="838440"/>
+            <a:ext cx="18287280" cy="838080"/>
           </a:xfrm>
           <a:prstGeom prst="rect">
             <a:avLst/>
@@ -3261,6 +3136,7 @@
                   <a:srgbClr val="ffffff"/>
                 </a:solidFill>
                 <a:latin typeface="Michroma"/>
+                <a:ea typeface="DejaVu Sans"/>
               </a:rPr>
               <a:t>KANBAN</a:t>
             </a:r>
@@ -3316,7 +3192,7 @@
         <p:spPr>
           <a:xfrm flipH="1" rot="633000">
             <a:off x="-875880" y="729360"/>
-            <a:ext cx="19715040" cy="7160040"/>
+            <a:ext cx="19714680" cy="7159680"/>
           </a:xfrm>
           <a:custGeom>
             <a:avLst/>
@@ -3369,7 +3245,7 @@
         <p:spPr>
           <a:xfrm>
             <a:off x="1878120" y="1745280"/>
-            <a:ext cx="3397680" cy="6795720"/>
+            <a:ext cx="3397320" cy="6795360"/>
           </a:xfrm>
           <a:custGeom>
             <a:avLst/>
@@ -3422,7 +3298,7 @@
         <p:spPr>
           <a:xfrm>
             <a:off x="5586840" y="1745280"/>
-            <a:ext cx="3397680" cy="6795720"/>
+            <a:ext cx="3397320" cy="6795360"/>
           </a:xfrm>
           <a:custGeom>
             <a:avLst/>
@@ -3475,7 +3351,7 @@
         <p:spPr>
           <a:xfrm>
             <a:off x="9299160" y="1745280"/>
-            <a:ext cx="3397680" cy="6795720"/>
+            <a:ext cx="3397320" cy="6795360"/>
           </a:xfrm>
           <a:custGeom>
             <a:avLst/>
@@ -3528,7 +3404,7 @@
         <p:spPr>
           <a:xfrm>
             <a:off x="13011840" y="1745280"/>
-            <a:ext cx="3397680" cy="6795720"/>
+            <a:ext cx="3397320" cy="6795360"/>
           </a:xfrm>
           <a:custGeom>
             <a:avLst/>
@@ -3581,7 +3457,7 @@
         <p:spPr>
           <a:xfrm>
             <a:off x="0" y="490680"/>
-            <a:ext cx="18287640" cy="1096920"/>
+            <a:ext cx="18287280" cy="1096920"/>
           </a:xfrm>
           <a:prstGeom prst="rect">
             <a:avLst/>
@@ -3614,6 +3490,7 @@
                   <a:srgbClr val="ffffff"/>
                 </a:solidFill>
                 <a:latin typeface="Michroma"/>
+                <a:ea typeface="DejaVu Sans"/>
               </a:rPr>
               <a:t>App do projeto</a:t>
             </a:r>
@@ -3669,7 +3546,7 @@
         <p:spPr>
           <a:xfrm>
             <a:off x="-413280" y="-241920"/>
-            <a:ext cx="19114200" cy="10770120"/>
+            <a:ext cx="19113840" cy="10769760"/>
           </a:xfrm>
           <a:custGeom>
             <a:avLst/>
@@ -3724,7 +3601,7 @@
         <p:spPr>
           <a:xfrm>
             <a:off x="3560040" y="4754520"/>
-            <a:ext cx="11167200" cy="645480"/>
+            <a:ext cx="11166840" cy="645120"/>
           </a:xfrm>
           <a:prstGeom prst="rect">
             <a:avLst/>
@@ -3757,6 +3634,7 @@
                   <a:srgbClr val="ffffff"/>
                 </a:solidFill>
                 <a:latin typeface="Michroma"/>
+                <a:ea typeface="DejaVu Sans"/>
               </a:rPr>
               <a:t>“</a:t>
             </a:r>
@@ -3766,6 +3644,7 @@
                   <a:srgbClr val="ffffff"/>
                 </a:solidFill>
                 <a:latin typeface="Michroma"/>
+                <a:ea typeface="DejaVu Sans"/>
               </a:rPr>
               <a:t>SIC PARVIS MAGNA”</a:t>
             </a:r>
@@ -3784,7 +3663,7 @@
         <p:spPr>
           <a:xfrm>
             <a:off x="1028880" y="971640"/>
-            <a:ext cx="6023520" cy="483120"/>
+            <a:ext cx="6023160" cy="483120"/>
           </a:xfrm>
           <a:prstGeom prst="rect">
             <a:avLst/>
@@ -3817,6 +3696,7 @@
                   <a:srgbClr val="ffffff"/>
                 </a:solidFill>
                 <a:latin typeface="Michroma"/>
+                <a:ea typeface="DejaVu Sans"/>
               </a:rPr>
               <a:t>Nossa Filosofia</a:t>
             </a:r>
@@ -3872,7 +3752,7 @@
         <p:spPr>
           <a:xfrm>
             <a:off x="2874960" y="6325200"/>
-            <a:ext cx="19791000" cy="6027480"/>
+            <a:ext cx="19790640" cy="6027120"/>
           </a:xfrm>
           <a:custGeom>
             <a:avLst/>
@@ -3924,8 +3804,8 @@
         </p:nvSpPr>
         <p:spPr>
           <a:xfrm rot="10057800">
-            <a:off x="-3421080" y="-1983960"/>
-            <a:ext cx="19791000" cy="6027480"/>
+            <a:off x="-3420720" y="-1983600"/>
+            <a:ext cx="19790640" cy="6027120"/>
           </a:xfrm>
           <a:custGeom>
             <a:avLst/>
@@ -3978,7 +3858,7 @@
         <p:spPr>
           <a:xfrm>
             <a:off x="0" y="4533840"/>
-            <a:ext cx="18287640" cy="1218960"/>
+            <a:ext cx="18287280" cy="1218960"/>
           </a:xfrm>
           <a:prstGeom prst="rect">
             <a:avLst/>
@@ -4011,6 +3891,7 @@
                   <a:srgbClr val="ffffff"/>
                 </a:solidFill>
                 <a:latin typeface="Michroma"/>
+                <a:ea typeface="DejaVu Sans"/>
               </a:rPr>
               <a:t>OBRIGADO</a:t>
             </a:r>
@@ -4065,8 +3946,8 @@
         </p:nvSpPr>
         <p:spPr>
           <a:xfrm flipH="1" rot="128400">
-            <a:off x="-488160" y="2690640"/>
-            <a:ext cx="16025040" cy="5820120"/>
+            <a:off x="-487800" y="2690640"/>
+            <a:ext cx="16024680" cy="5819760"/>
           </a:xfrm>
           <a:custGeom>
             <a:avLst/>
@@ -4119,7 +4000,7 @@
         <p:spPr>
           <a:xfrm>
             <a:off x="2717280" y="1468440"/>
-            <a:ext cx="5601240" cy="8287560"/>
+            <a:ext cx="5600880" cy="8287200"/>
           </a:xfrm>
           <a:custGeom>
             <a:avLst/>
@@ -4172,7 +4053,7 @@
         <p:spPr>
           <a:xfrm>
             <a:off x="10060560" y="1444680"/>
-            <a:ext cx="5780880" cy="8311680"/>
+            <a:ext cx="5780520" cy="8311320"/>
           </a:xfrm>
           <a:custGeom>
             <a:avLst/>
@@ -4225,7 +4106,7 @@
         <p:spPr>
           <a:xfrm>
             <a:off x="0" y="365760"/>
-            <a:ext cx="18287640" cy="838440"/>
+            <a:ext cx="18287280" cy="838080"/>
           </a:xfrm>
           <a:prstGeom prst="rect">
             <a:avLst/>
@@ -4258,6 +4139,7 @@
                   <a:srgbClr val="ffffff"/>
                 </a:solidFill>
                 <a:latin typeface="Michroma"/>
+                <a:ea typeface="DejaVu Sans"/>
               </a:rPr>
               <a:t>BRIEFING</a:t>
             </a:r>
@@ -4313,9 +4195,9 @@
         <p:grpSpPr>
           <a:xfrm>
             <a:off x="2656080" y="1667880"/>
-            <a:ext cx="12975840" cy="7296120"/>
+            <a:ext cx="12975480" cy="7295760"/>
             <a:chOff x="2656080" y="1667880"/>
-            <a:chExt cx="12975840" cy="7296120"/>
+            <a:chExt cx="12975480" cy="7295760"/>
           </a:xfrm>
         </p:grpSpPr>
         <p:sp>
@@ -4327,7 +4209,7 @@
           <p:spPr>
             <a:xfrm>
               <a:off x="2656080" y="1812600"/>
-              <a:ext cx="12975840" cy="7151400"/>
+              <a:ext cx="12975480" cy="7151040"/>
             </a:xfrm>
             <a:custGeom>
               <a:avLst/>
@@ -4403,7 +4285,7 @@
           <p:spPr>
             <a:xfrm>
               <a:off x="2656080" y="1667880"/>
-              <a:ext cx="12975840" cy="7296120"/>
+              <a:ext cx="12975480" cy="7295760"/>
             </a:xfrm>
             <a:prstGeom prst="rect">
               <a:avLst/>
@@ -4429,8 +4311,8 @@
         </p:nvSpPr>
         <p:spPr>
           <a:xfrm flipH="1" rot="633000">
-            <a:off x="-651600" y="1011240"/>
-            <a:ext cx="20535480" cy="7458120"/>
+            <a:off x="-651960" y="1010880"/>
+            <a:ext cx="20535120" cy="7457760"/>
           </a:xfrm>
           <a:custGeom>
             <a:avLst/>
@@ -4485,7 +4367,7 @@
         <p:spPr>
           <a:xfrm>
             <a:off x="3497760" y="2355840"/>
-            <a:ext cx="4166280" cy="2986920"/>
+            <a:ext cx="4165920" cy="2986560"/>
           </a:xfrm>
           <a:prstGeom prst="rect">
             <a:avLst/>
@@ -4518,6 +4400,7 @@
                   <a:srgbClr val="060614"/>
                 </a:solidFill>
                 <a:latin typeface="Michroma"/>
+                <a:ea typeface="DejaVu Sans"/>
               </a:rPr>
               <a:t>PONTOS POSITIVOS:</a:t>
             </a:r>
@@ -4542,6 +4425,7 @@
                   <a:srgbClr val="060614"/>
                 </a:solidFill>
                 <a:latin typeface="Michroma"/>
+                <a:ea typeface="DejaVu Sans"/>
               </a:rPr>
               <a:t>Boa comunicação</a:t>
             </a:r>
@@ -4577,6 +4461,7 @@
                   <a:srgbClr val="060614"/>
                 </a:solidFill>
                 <a:latin typeface="Michroma"/>
+                <a:ea typeface="DejaVu Sans"/>
               </a:rPr>
               <a:t>Divisão de tarefas</a:t>
             </a:r>
@@ -4612,6 +4497,7 @@
                   <a:srgbClr val="060614"/>
                 </a:solidFill>
                 <a:latin typeface="Michroma"/>
+                <a:ea typeface="DejaVu Sans"/>
               </a:rPr>
               <a:t>Agilidade no processo</a:t>
             </a:r>
@@ -4647,6 +4533,7 @@
                   <a:srgbClr val="060614"/>
                 </a:solidFill>
                 <a:latin typeface="Michroma"/>
+                <a:ea typeface="DejaVu Sans"/>
               </a:rPr>
               <a:t>Entrega no prazo</a:t>
             </a:r>
@@ -4665,7 +4552,7 @@
         <p:spPr>
           <a:xfrm>
             <a:off x="0" y="490680"/>
-            <a:ext cx="18287640" cy="1096920"/>
+            <a:ext cx="18287280" cy="1096920"/>
           </a:xfrm>
           <a:prstGeom prst="rect">
             <a:avLst/>
@@ -4698,6 +4585,7 @@
                   <a:srgbClr val="ffffff"/>
                 </a:solidFill>
                 <a:latin typeface="Michroma"/>
+                <a:ea typeface="DejaVu Sans"/>
               </a:rPr>
               <a:t>DAILY</a:t>
             </a:r>
@@ -4716,7 +4604,7 @@
         <p:spPr>
           <a:xfrm>
             <a:off x="10758960" y="2355840"/>
-            <a:ext cx="4030560" cy="2613600"/>
+            <a:ext cx="4030200" cy="2613240"/>
           </a:xfrm>
           <a:prstGeom prst="rect">
             <a:avLst/>
@@ -4749,6 +4637,7 @@
                   <a:srgbClr val="060614"/>
                 </a:solidFill>
                 <a:latin typeface="Michroma"/>
+                <a:ea typeface="DejaVu Sans"/>
               </a:rPr>
               <a:t>PONTOS NEGATIVOS:</a:t>
             </a:r>
@@ -4773,6 +4662,7 @@
                   <a:srgbClr val="060614"/>
                 </a:solidFill>
                 <a:latin typeface="Michroma"/>
+                <a:ea typeface="DejaVu Sans"/>
               </a:rPr>
               <a:t>Internet</a:t>
             </a:r>
@@ -4808,6 +4698,7 @@
                   <a:srgbClr val="060614"/>
                 </a:solidFill>
                 <a:latin typeface="Michroma"/>
+                <a:ea typeface="DejaVu Sans"/>
               </a:rPr>
               <a:t>Máquina virtual</a:t>
             </a:r>
@@ -4843,6 +4734,7 @@
                   <a:srgbClr val="060614"/>
                 </a:solidFill>
                 <a:latin typeface="Michroma"/>
+                <a:ea typeface="DejaVu Sans"/>
               </a:rPr>
               <a:t>Classroom</a:t>
             </a:r>
@@ -4872,7 +4764,7 @@
         <p:spPr>
           <a:xfrm>
             <a:off x="10570680" y="5779080"/>
-            <a:ext cx="4746960" cy="2986920"/>
+            <a:ext cx="4746600" cy="2613600"/>
           </a:xfrm>
           <a:prstGeom prst="rect">
             <a:avLst/>
@@ -4905,6 +4797,7 @@
                   <a:srgbClr val="060614"/>
                 </a:solidFill>
                 <a:latin typeface="Michroma"/>
+                <a:ea typeface="DejaVu Sans"/>
               </a:rPr>
               <a:t>O QUE  PODE  MELHORAR:</a:t>
             </a:r>
@@ -4929,6 +4822,7 @@
                   <a:srgbClr val="060614"/>
                 </a:solidFill>
                 <a:latin typeface="Michroma"/>
+                <a:ea typeface="DejaVu Sans"/>
               </a:rPr>
               <a:t>Internet</a:t>
             </a:r>
@@ -4964,6 +4858,7 @@
                   <a:srgbClr val="060614"/>
                 </a:solidFill>
                 <a:latin typeface="Michroma"/>
+                <a:ea typeface="DejaVu Sans"/>
               </a:rPr>
               <a:t>Conhecimento individual</a:t>
             </a:r>
@@ -4979,6 +4874,80 @@
               <a:buNone/>
             </a:pPr>
             <a:endParaRPr b="0" lang="pt-BR" sz="1800" spc="-1" strike="noStrike">
+              <a:latin typeface="Arial"/>
+            </a:endParaRPr>
+          </a:p>
+          <a:p>
+            <a:pPr algn="ctr">
+              <a:lnSpc>
+                <a:spcPts val="2940"/>
+              </a:lnSpc>
+              <a:buNone/>
+            </a:pPr>
+            <a:endParaRPr b="0" lang="pt-BR" sz="1800" spc="-1" strike="noStrike">
+              <a:latin typeface="Arial"/>
+            </a:endParaRPr>
+          </a:p>
+          <a:p>
+            <a:pPr algn="ctr">
+              <a:lnSpc>
+                <a:spcPts val="2940"/>
+              </a:lnSpc>
+              <a:buNone/>
+            </a:pPr>
+            <a:endParaRPr b="0" lang="pt-BR" sz="1800" spc="-1" strike="noStrike">
+              <a:latin typeface="Arial"/>
+            </a:endParaRPr>
+          </a:p>
+        </p:txBody>
+      </p:sp>
+      <p:sp>
+        <p:nvSpPr>
+          <p:cNvPr id="57" name="TextBox 10"/>
+          <p:cNvSpPr/>
+          <p:nvPr/>
+        </p:nvSpPr>
+        <p:spPr>
+          <a:xfrm>
+            <a:off x="3497760" y="6011280"/>
+            <a:ext cx="4423320" cy="2239920"/>
+          </a:xfrm>
+          <a:prstGeom prst="rect">
+            <a:avLst/>
+          </a:prstGeom>
+          <a:noFill/>
+          <a:ln w="0">
+            <a:noFill/>
+          </a:ln>
+        </p:spPr>
+        <p:style>
+          <a:lnRef idx="0"/>
+          <a:fillRef idx="0"/>
+          <a:effectRef idx="0"/>
+          <a:fontRef idx="minor"/>
+        </p:style>
+        <p:txBody>
+          <a:bodyPr lIns="0" rIns="0" tIns="0" bIns="0" anchor="t">
+            <a:spAutoFit/>
+          </a:bodyPr>
+          <a:p>
+            <a:pPr algn="ctr">
+              <a:lnSpc>
+                <a:spcPts val="2940"/>
+              </a:lnSpc>
+              <a:buNone/>
+            </a:pPr>
+            <a:r>
+              <a:rPr b="0" lang="en-US" sz="2100" spc="-1" strike="noStrike">
+                <a:solidFill>
+                  <a:srgbClr val="060614"/>
+                </a:solidFill>
+                <a:latin typeface="Michroma"/>
+                <a:ea typeface="DejaVu Sans"/>
+              </a:rPr>
+              <a:t>O QUE DEU CERTO:</a:t>
+            </a:r>
+            <a:endParaRPr b="0" lang="pt-BR" sz="2100" spc="-1" strike="noStrike">
               <a:latin typeface="Arial"/>
             </a:endParaRPr>
           </a:p>
@@ -4999,8 +4968,9 @@
                   <a:srgbClr val="060614"/>
                 </a:solidFill>
                 <a:latin typeface="Michroma"/>
+                <a:ea typeface="DejaVu Sans"/>
               </a:rPr>
-              <a:t>Agilidade de processo</a:t>
+              <a:t>Trabalho em grupo</a:t>
             </a:r>
             <a:endParaRPr b="0" lang="pt-BR" sz="2100" spc="-1" strike="noStrike">
               <a:latin typeface="Arial"/>
@@ -5014,68 +4984,6 @@
               <a:buNone/>
             </a:pPr>
             <a:endParaRPr b="0" lang="pt-BR" sz="1800" spc="-1" strike="noStrike">
-              <a:latin typeface="Arial"/>
-            </a:endParaRPr>
-          </a:p>
-          <a:p>
-            <a:pPr algn="ctr">
-              <a:lnSpc>
-                <a:spcPts val="2940"/>
-              </a:lnSpc>
-              <a:buNone/>
-            </a:pPr>
-            <a:endParaRPr b="0" lang="pt-BR" sz="1800" spc="-1" strike="noStrike">
-              <a:latin typeface="Arial"/>
-            </a:endParaRPr>
-          </a:p>
-        </p:txBody>
-      </p:sp>
-      <p:sp>
-        <p:nvSpPr>
-          <p:cNvPr id="57" name="TextBox 10"/>
-          <p:cNvSpPr/>
-          <p:nvPr/>
-        </p:nvSpPr>
-        <p:spPr>
-          <a:xfrm>
-            <a:off x="3497760" y="6011280"/>
-            <a:ext cx="4423680" cy="2240280"/>
-          </a:xfrm>
-          <a:prstGeom prst="rect">
-            <a:avLst/>
-          </a:prstGeom>
-          <a:noFill/>
-          <a:ln w="0">
-            <a:noFill/>
-          </a:ln>
-        </p:spPr>
-        <p:style>
-          <a:lnRef idx="0"/>
-          <a:fillRef idx="0"/>
-          <a:effectRef idx="0"/>
-          <a:fontRef idx="minor"/>
-        </p:style>
-        <p:txBody>
-          <a:bodyPr lIns="0" rIns="0" tIns="0" bIns="0" anchor="t">
-            <a:spAutoFit/>
-          </a:bodyPr>
-          <a:p>
-            <a:pPr algn="ctr">
-              <a:lnSpc>
-                <a:spcPts val="2940"/>
-              </a:lnSpc>
-              <a:buNone/>
-            </a:pPr>
-            <a:r>
-              <a:rPr b="0" lang="en-US" sz="2100" spc="-1" strike="noStrike">
-                <a:solidFill>
-                  <a:srgbClr val="060614"/>
-                </a:solidFill>
-                <a:latin typeface="Michroma"/>
-              </a:rPr>
-              <a:t>O QUE DEU CERTO:</a:t>
-            </a:r>
-            <a:endParaRPr b="0" lang="pt-BR" sz="2100" spc="-1" strike="noStrike">
               <a:latin typeface="Arial"/>
             </a:endParaRPr>
           </a:p>
@@ -5096,8 +5004,9 @@
                   <a:srgbClr val="060614"/>
                 </a:solidFill>
                 <a:latin typeface="Michroma"/>
+                <a:ea typeface="DejaVu Sans"/>
               </a:rPr>
-              <a:t>Trabalho em grupo</a:t>
+              <a:t>Realização do projeto</a:t>
             </a:r>
             <a:endParaRPr b="0" lang="pt-BR" sz="2100" spc="-1" strike="noStrike">
               <a:latin typeface="Arial"/>
@@ -5131,41 +5040,7 @@
                   <a:srgbClr val="060614"/>
                 </a:solidFill>
                 <a:latin typeface="Michroma"/>
-              </a:rPr>
-              <a:t>Realização do projeto</a:t>
-            </a:r>
-            <a:endParaRPr b="0" lang="pt-BR" sz="2100" spc="-1" strike="noStrike">
-              <a:latin typeface="Arial"/>
-            </a:endParaRPr>
-          </a:p>
-          <a:p>
-            <a:pPr algn="ctr">
-              <a:lnSpc>
-                <a:spcPts val="2940"/>
-              </a:lnSpc>
-              <a:buNone/>
-            </a:pPr>
-            <a:endParaRPr b="0" lang="pt-BR" sz="1800" spc="-1" strike="noStrike">
-              <a:latin typeface="Arial"/>
-            </a:endParaRPr>
-          </a:p>
-          <a:p>
-            <a:pPr lvl="1" marL="453240" indent="-226800" algn="ctr">
-              <a:lnSpc>
-                <a:spcPts val="2940"/>
-              </a:lnSpc>
-              <a:buClr>
-                <a:srgbClr val="060614"/>
-              </a:buClr>
-              <a:buFont typeface="Arial"/>
-              <a:buChar char="•"/>
-            </a:pPr>
-            <a:r>
-              <a:rPr b="0" lang="en-US" sz="2100" spc="-1" strike="noStrike">
-                <a:solidFill>
-                  <a:srgbClr val="060614"/>
-                </a:solidFill>
-                <a:latin typeface="Michroma"/>
+                <a:ea typeface="DejaVu Sans"/>
               </a:rPr>
               <a:t>Entrga dentro do prazo</a:t>
             </a:r>
@@ -5220,8 +5095,8 @@
         </p:nvSpPr>
         <p:spPr>
           <a:xfrm rot="13500000">
-            <a:off x="-3744360" y="-2058120"/>
-            <a:ext cx="8759880" cy="8850240"/>
+            <a:off x="-3744000" y="-2057400"/>
+            <a:ext cx="8759520" cy="8849880"/>
           </a:xfrm>
           <a:custGeom>
             <a:avLst/>
@@ -5274,7 +5149,7 @@
         <p:spPr>
           <a:xfrm>
             <a:off x="5359320" y="1557720"/>
-            <a:ext cx="8796600" cy="8147520"/>
+            <a:ext cx="8796240" cy="8147160"/>
           </a:xfrm>
           <a:custGeom>
             <a:avLst/>
@@ -5327,7 +5202,7 @@
         <p:spPr>
           <a:xfrm>
             <a:off x="0" y="438480"/>
-            <a:ext cx="18287640" cy="838440"/>
+            <a:ext cx="18287280" cy="838080"/>
           </a:xfrm>
           <a:prstGeom prst="rect">
             <a:avLst/>
@@ -5360,6 +5235,7 @@
                   <a:srgbClr val="ffffff"/>
                 </a:solidFill>
                 <a:latin typeface="Michroma"/>
+                <a:ea typeface="DejaVu Sans"/>
               </a:rPr>
               <a:t>KANBAN</a:t>
             </a:r>
@@ -5414,8 +5290,8 @@
         </p:nvSpPr>
         <p:spPr>
           <a:xfrm rot="13500000">
-            <a:off x="-3744360" y="-2058120"/>
-            <a:ext cx="8759880" cy="8850240"/>
+            <a:off x="-3744000" y="-2057400"/>
+            <a:ext cx="8759520" cy="8849880"/>
           </a:xfrm>
           <a:custGeom>
             <a:avLst/>
@@ -5468,7 +5344,7 @@
         <p:spPr>
           <a:xfrm>
             <a:off x="4476240" y="2117520"/>
-            <a:ext cx="9335160" cy="6474960"/>
+            <a:ext cx="9334800" cy="6474600"/>
           </a:xfrm>
           <a:custGeom>
             <a:avLst/>
@@ -5521,7 +5397,7 @@
         <p:spPr>
           <a:xfrm>
             <a:off x="0" y="438480"/>
-            <a:ext cx="18287640" cy="838440"/>
+            <a:ext cx="18287280" cy="838080"/>
           </a:xfrm>
           <a:prstGeom prst="rect">
             <a:avLst/>
@@ -5554,6 +5430,7 @@
                   <a:srgbClr val="ffffff"/>
                 </a:solidFill>
                 <a:latin typeface="Michroma"/>
+                <a:ea typeface="DejaVu Sans"/>
               </a:rPr>
               <a:t>KANBAN</a:t>
             </a:r>
@@ -5608,8 +5485,8 @@
         </p:nvSpPr>
         <p:spPr>
           <a:xfrm rot="13500000">
-            <a:off x="-3744360" y="-2058120"/>
-            <a:ext cx="8759880" cy="8850240"/>
+            <a:off x="-3744000" y="-2057400"/>
+            <a:ext cx="8759520" cy="8849880"/>
           </a:xfrm>
           <a:custGeom>
             <a:avLst/>
@@ -5662,7 +5539,7 @@
         <p:spPr>
           <a:xfrm>
             <a:off x="3503880" y="2157120"/>
-            <a:ext cx="11279880" cy="6435000"/>
+            <a:ext cx="11279520" cy="6434640"/>
           </a:xfrm>
           <a:custGeom>
             <a:avLst/>
@@ -5715,7 +5592,7 @@
         <p:spPr>
           <a:xfrm>
             <a:off x="0" y="438480"/>
-            <a:ext cx="18287640" cy="838440"/>
+            <a:ext cx="18287280" cy="838080"/>
           </a:xfrm>
           <a:prstGeom prst="rect">
             <a:avLst/>
@@ -5748,6 +5625,7 @@
                   <a:srgbClr val="ffffff"/>
                 </a:solidFill>
                 <a:latin typeface="Michroma"/>
+                <a:ea typeface="DejaVu Sans"/>
               </a:rPr>
               <a:t>KANBAN</a:t>
             </a:r>
@@ -5802,8 +5680,8 @@
         </p:nvSpPr>
         <p:spPr>
           <a:xfrm rot="13500000">
-            <a:off x="-3744360" y="-2058120"/>
-            <a:ext cx="8759880" cy="8850240"/>
+            <a:off x="-3744000" y="-2057400"/>
+            <a:ext cx="8759520" cy="8849880"/>
           </a:xfrm>
           <a:custGeom>
             <a:avLst/>
@@ -5856,7 +5734,7 @@
         <p:spPr>
           <a:xfrm>
             <a:off x="3053520" y="1963440"/>
-            <a:ext cx="12180600" cy="5916240"/>
+            <a:ext cx="12180240" cy="5915880"/>
           </a:xfrm>
           <a:custGeom>
             <a:avLst/>
@@ -5909,7 +5787,7 @@
         <p:spPr>
           <a:xfrm>
             <a:off x="0" y="438480"/>
-            <a:ext cx="18287640" cy="838440"/>
+            <a:ext cx="18287280" cy="838080"/>
           </a:xfrm>
           <a:prstGeom prst="rect">
             <a:avLst/>
@@ -5942,6 +5820,7 @@
                   <a:srgbClr val="ffffff"/>
                 </a:solidFill>
                 <a:latin typeface="Michroma"/>
+                <a:ea typeface="DejaVu Sans"/>
               </a:rPr>
               <a:t>KANBAN</a:t>
             </a:r>
@@ -5996,8 +5875,8 @@
         </p:nvSpPr>
         <p:spPr>
           <a:xfrm rot="13500000">
-            <a:off x="-3744360" y="-2058120"/>
-            <a:ext cx="8759880" cy="8850240"/>
+            <a:off x="-3744000" y="-2057400"/>
+            <a:ext cx="8759520" cy="8849880"/>
           </a:xfrm>
           <a:custGeom>
             <a:avLst/>
@@ -6050,7 +5929,7 @@
         <p:spPr>
           <a:xfrm>
             <a:off x="4158720" y="1835640"/>
-            <a:ext cx="9970200" cy="6875280"/>
+            <a:ext cx="9969840" cy="6874920"/>
           </a:xfrm>
           <a:custGeom>
             <a:avLst/>
@@ -6103,7 +5982,7 @@
         <p:spPr>
           <a:xfrm>
             <a:off x="0" y="438480"/>
-            <a:ext cx="18287640" cy="838440"/>
+            <a:ext cx="18287280" cy="838080"/>
           </a:xfrm>
           <a:prstGeom prst="rect">
             <a:avLst/>
@@ -6136,6 +6015,7 @@
                   <a:srgbClr val="ffffff"/>
                 </a:solidFill>
                 <a:latin typeface="Michroma"/>
+                <a:ea typeface="DejaVu Sans"/>
               </a:rPr>
               <a:t>KANBAN</a:t>
             </a:r>
@@ -6190,8 +6070,8 @@
         </p:nvSpPr>
         <p:spPr>
           <a:xfrm rot="13500000">
-            <a:off x="-3744360" y="-2058120"/>
-            <a:ext cx="8759880" cy="8850240"/>
+            <a:off x="-3744000" y="-2057400"/>
+            <a:ext cx="8759520" cy="8849880"/>
           </a:xfrm>
           <a:custGeom>
             <a:avLst/>
@@ -6244,7 +6124,7 @@
         <p:spPr>
           <a:xfrm>
             <a:off x="4852080" y="1849320"/>
-            <a:ext cx="8583840" cy="7408800"/>
+            <a:ext cx="8583480" cy="7408440"/>
           </a:xfrm>
           <a:custGeom>
             <a:avLst/>
@@ -6297,7 +6177,7 @@
         <p:spPr>
           <a:xfrm>
             <a:off x="0" y="438480"/>
-            <a:ext cx="18287640" cy="838440"/>
+            <a:ext cx="18287280" cy="838080"/>
           </a:xfrm>
           <a:prstGeom prst="rect">
             <a:avLst/>
@@ -6330,6 +6210,7 @@
                   <a:srgbClr val="ffffff"/>
                 </a:solidFill>
                 <a:latin typeface="Michroma"/>
+                <a:ea typeface="DejaVu Sans"/>
               </a:rPr>
               <a:t>KANBAN</a:t>
             </a:r>
